--- a/Docs/script for game.pptx
+++ b/Docs/script for game.pptx
@@ -15,11 +15,12 @@
     <p:sldId id="263" r:id="rId9"/>
     <p:sldId id="264" r:id="rId10"/>
     <p:sldId id="267" r:id="rId11"/>
-    <p:sldId id="265" r:id="rId12"/>
-    <p:sldId id="266" r:id="rId13"/>
-    <p:sldId id="268" r:id="rId14"/>
-    <p:sldId id="270" r:id="rId15"/>
-    <p:sldId id="271" r:id="rId16"/>
+    <p:sldId id="272" r:id="rId12"/>
+    <p:sldId id="265" r:id="rId13"/>
+    <p:sldId id="266" r:id="rId14"/>
+    <p:sldId id="268" r:id="rId15"/>
+    <p:sldId id="270" r:id="rId16"/>
+    <p:sldId id="271" r:id="rId17"/>
   </p:sldIdLst>
   <p:sldSz cx="12192000" cy="6858000"/>
   <p:notesSz cx="6858000" cy="9144000"/>
@@ -273,7 +274,7 @@
           <a:p>
             <a:fld id="{F0718EEB-C662-492C-9621-45F2475C8FAA}" type="datetimeFigureOut">
               <a:rPr lang="en-US" smtClean="0"/>
-              <a:t>2/21/2023</a:t>
+              <a:t>3/7/2023</a:t>
             </a:fld>
             <a:endParaRPr lang="en-US"/>
           </a:p>
@@ -471,7 +472,7 @@
           <a:p>
             <a:fld id="{F0718EEB-C662-492C-9621-45F2475C8FAA}" type="datetimeFigureOut">
               <a:rPr lang="en-US" smtClean="0"/>
-              <a:t>2/21/2023</a:t>
+              <a:t>3/7/2023</a:t>
             </a:fld>
             <a:endParaRPr lang="en-US"/>
           </a:p>
@@ -679,7 +680,7 @@
           <a:p>
             <a:fld id="{F0718EEB-C662-492C-9621-45F2475C8FAA}" type="datetimeFigureOut">
               <a:rPr lang="en-US" smtClean="0"/>
-              <a:t>2/21/2023</a:t>
+              <a:t>3/7/2023</a:t>
             </a:fld>
             <a:endParaRPr lang="en-US"/>
           </a:p>
@@ -877,7 +878,7 @@
           <a:p>
             <a:fld id="{F0718EEB-C662-492C-9621-45F2475C8FAA}" type="datetimeFigureOut">
               <a:rPr lang="en-US" smtClean="0"/>
-              <a:t>2/21/2023</a:t>
+              <a:t>3/7/2023</a:t>
             </a:fld>
             <a:endParaRPr lang="en-US"/>
           </a:p>
@@ -1152,7 +1153,7 @@
           <a:p>
             <a:fld id="{F0718EEB-C662-492C-9621-45F2475C8FAA}" type="datetimeFigureOut">
               <a:rPr lang="en-US" smtClean="0"/>
-              <a:t>2/21/2023</a:t>
+              <a:t>3/7/2023</a:t>
             </a:fld>
             <a:endParaRPr lang="en-US"/>
           </a:p>
@@ -1417,7 +1418,7 @@
           <a:p>
             <a:fld id="{F0718EEB-C662-492C-9621-45F2475C8FAA}" type="datetimeFigureOut">
               <a:rPr lang="en-US" smtClean="0"/>
-              <a:t>2/21/2023</a:t>
+              <a:t>3/7/2023</a:t>
             </a:fld>
             <a:endParaRPr lang="en-US"/>
           </a:p>
@@ -1829,7 +1830,7 @@
           <a:p>
             <a:fld id="{F0718EEB-C662-492C-9621-45F2475C8FAA}" type="datetimeFigureOut">
               <a:rPr lang="en-US" smtClean="0"/>
-              <a:t>2/21/2023</a:t>
+              <a:t>3/7/2023</a:t>
             </a:fld>
             <a:endParaRPr lang="en-US"/>
           </a:p>
@@ -1970,7 +1971,7 @@
           <a:p>
             <a:fld id="{F0718EEB-C662-492C-9621-45F2475C8FAA}" type="datetimeFigureOut">
               <a:rPr lang="en-US" smtClean="0"/>
-              <a:t>2/21/2023</a:t>
+              <a:t>3/7/2023</a:t>
             </a:fld>
             <a:endParaRPr lang="en-US"/>
           </a:p>
@@ -2083,7 +2084,7 @@
           <a:p>
             <a:fld id="{F0718EEB-C662-492C-9621-45F2475C8FAA}" type="datetimeFigureOut">
               <a:rPr lang="en-US" smtClean="0"/>
-              <a:t>2/21/2023</a:t>
+              <a:t>3/7/2023</a:t>
             </a:fld>
             <a:endParaRPr lang="en-US"/>
           </a:p>
@@ -2394,7 +2395,7 @@
           <a:p>
             <a:fld id="{F0718EEB-C662-492C-9621-45F2475C8FAA}" type="datetimeFigureOut">
               <a:rPr lang="en-US" smtClean="0"/>
-              <a:t>2/21/2023</a:t>
+              <a:t>3/7/2023</a:t>
             </a:fld>
             <a:endParaRPr lang="en-US"/>
           </a:p>
@@ -2682,7 +2683,7 @@
           <a:p>
             <a:fld id="{F0718EEB-C662-492C-9621-45F2475C8FAA}" type="datetimeFigureOut">
               <a:rPr lang="en-US" smtClean="0"/>
-              <a:t>2/21/2023</a:t>
+              <a:t>3/7/2023</a:t>
             </a:fld>
             <a:endParaRPr lang="en-US"/>
           </a:p>
@@ -2923,7 +2924,7 @@
           <a:p>
             <a:fld id="{F0718EEB-C662-492C-9621-45F2475C8FAA}" type="datetimeFigureOut">
               <a:rPr lang="en-US" smtClean="0"/>
-              <a:t>2/21/2023</a:t>
+              <a:t>3/7/2023</a:t>
             </a:fld>
             <a:endParaRPr lang="en-US"/>
           </a:p>
@@ -3552,7 +3553,7 @@
           <p:cNvPr id="2" name="Title 1">
             <a:extLst>
               <a:ext uri="{FF2B5EF4-FFF2-40B4-BE49-F238E27FC236}">
-                <a16:creationId xmlns:a16="http://schemas.microsoft.com/office/drawing/2014/main" id="{59F56BFF-C6C0-F2D1-0774-FE14DD4D62C8}"/>
+                <a16:creationId xmlns:a16="http://schemas.microsoft.com/office/drawing/2014/main" id="{08CC2986-D956-DADF-9FC7-B61B925424EC}"/>
               </a:ext>
             </a:extLst>
           </p:cNvPr>
@@ -3570,17 +3571,17 @@
           <a:p>
             <a:r>
               <a:rPr lang="en-US" dirty="0"/>
-              <a:t>Biome: Tundra</a:t>
-            </a:r>
-          </a:p>
-        </p:txBody>
-      </p:sp>
-      <p:sp>
-        <p:nvSpPr>
-          <p:cNvPr id="4" name="Content Placeholder 3">
-            <a:extLst>
-              <a:ext uri="{FF2B5EF4-FFF2-40B4-BE49-F238E27FC236}">
-                <a16:creationId xmlns:a16="http://schemas.microsoft.com/office/drawing/2014/main" id="{5989C3B2-9D32-74EF-E6DC-359B4D1569FA}"/>
+              <a:t>Test path</a:t>
+            </a:r>
+          </a:p>
+        </p:txBody>
+      </p:sp>
+      <p:sp>
+        <p:nvSpPr>
+          <p:cNvPr id="3" name="Content Placeholder 2">
+            <a:extLst>
+              <a:ext uri="{FF2B5EF4-FFF2-40B4-BE49-F238E27FC236}">
+                <a16:creationId xmlns:a16="http://schemas.microsoft.com/office/drawing/2014/main" id="{E7C80A9A-4031-E000-9230-448941F11DFF}"/>
               </a:ext>
             </a:extLst>
           </p:cNvPr>
@@ -3597,26 +3598,37 @@
           <a:lstStyle/>
           <a:p>
             <a:r>
-              <a:rPr lang="en-US" dirty="0">
-                <a:hlinkClick r:id="rId2"/>
-              </a:rPr>
-              <a:t>https://www.activewild.com/tundra-biome/</a:t>
-            </a:r>
-            <a:endParaRPr lang="en-US" dirty="0"/>
-          </a:p>
-          <a:p>
-            <a:r>
-              <a:rPr lang="en-US" dirty="0">
-                <a:hlinkClick r:id="rId3"/>
-              </a:rPr>
-              <a:t>https://phys.org/news/2022-10-decades-arctic-affirm-long-term.html</a:t>
-            </a:r>
-            <a:endParaRPr lang="en-US" dirty="0"/>
-          </a:p>
-          <a:p>
-            <a:endParaRPr lang="en-US" dirty="0"/>
-          </a:p>
-          <a:p>
+              <a:rPr lang="en-US" dirty="0"/>
+              <a:t>Welcome</a:t>
+            </a:r>
+          </a:p>
+          <a:p>
+            <a:r>
+              <a:rPr lang="en-US" dirty="0"/>
+              <a:t>Choose a type of vehicle?</a:t>
+            </a:r>
+          </a:p>
+          <a:p>
+            <a:r>
+              <a:rPr lang="en-US" dirty="0"/>
+              <a:t>Choose where you want to go? [Africa]</a:t>
+            </a:r>
+          </a:p>
+          <a:p>
+            <a:r>
+              <a:rPr lang="en-US" dirty="0"/>
+              <a:t>Where in [Africa] do you want to go? [Egypt] [Uganda]</a:t>
+            </a:r>
+          </a:p>
+          <a:p>
+            <a:r>
+              <a:rPr lang="en-US" dirty="0"/>
+              <a:t>You made it to [Egypt], located in a desert biome || You made it to [Uganda], located in a grassland’s biome || You flew off course, you landed in a </a:t>
+            </a:r>
+            <a:r>
+              <a:rPr lang="en-US"/>
+              <a:t>forest biome</a:t>
+            </a:r>
             <a:endParaRPr lang="en-US" dirty="0"/>
           </a:p>
         </p:txBody>
@@ -3624,7 +3636,7 @@
     </p:spTree>
     <p:extLst>
       <p:ext uri="{BB962C8B-B14F-4D97-AF65-F5344CB8AC3E}">
-        <p14:creationId xmlns:p14="http://schemas.microsoft.com/office/powerpoint/2010/main" val="545953833"/>
+        <p14:creationId xmlns:p14="http://schemas.microsoft.com/office/powerpoint/2010/main" val="436250090"/>
       </p:ext>
     </p:extLst>
   </p:cSld>
@@ -3656,7 +3668,7 @@
           <p:cNvPr id="2" name="Title 1">
             <a:extLst>
               <a:ext uri="{FF2B5EF4-FFF2-40B4-BE49-F238E27FC236}">
-                <a16:creationId xmlns:a16="http://schemas.microsoft.com/office/drawing/2014/main" id="{56A2490A-C419-6763-E6D0-AE1DB8E1ABAA}"/>
+                <a16:creationId xmlns:a16="http://schemas.microsoft.com/office/drawing/2014/main" id="{59F56BFF-C6C0-F2D1-0774-FE14DD4D62C8}"/>
               </a:ext>
             </a:extLst>
           </p:cNvPr>
@@ -3674,17 +3686,17 @@
           <a:p>
             <a:r>
               <a:rPr lang="en-US" dirty="0"/>
-              <a:t>Biome: Desert</a:t>
-            </a:r>
-          </a:p>
-        </p:txBody>
-      </p:sp>
-      <p:sp>
-        <p:nvSpPr>
-          <p:cNvPr id="3" name="Content Placeholder 2">
-            <a:extLst>
-              <a:ext uri="{FF2B5EF4-FFF2-40B4-BE49-F238E27FC236}">
-                <a16:creationId xmlns:a16="http://schemas.microsoft.com/office/drawing/2014/main" id="{918574D5-EF88-B87A-CE00-02C646A04643}"/>
+              <a:t>Biome: Tundra</a:t>
+            </a:r>
+          </a:p>
+        </p:txBody>
+      </p:sp>
+      <p:sp>
+        <p:nvSpPr>
+          <p:cNvPr id="4" name="Content Placeholder 3">
+            <a:extLst>
+              <a:ext uri="{FF2B5EF4-FFF2-40B4-BE49-F238E27FC236}">
+                <a16:creationId xmlns:a16="http://schemas.microsoft.com/office/drawing/2014/main" id="{5989C3B2-9D32-74EF-E6DC-359B4D1569FA}"/>
               </a:ext>
             </a:extLst>
           </p:cNvPr>
@@ -3704,7 +3716,7 @@
               <a:rPr lang="en-US" dirty="0">
                 <a:hlinkClick r:id="rId2"/>
               </a:rPr>
-              <a:t>https://www.thoughtco.com/overview-of-the-desert-biome-130166</a:t>
+              <a:t>https://www.activewild.com/tundra-biome/</a:t>
             </a:r>
             <a:endParaRPr lang="en-US" dirty="0"/>
           </a:p>
@@ -3713,16 +3725,7 @@
               <a:rPr lang="en-US" dirty="0">
                 <a:hlinkClick r:id="rId3"/>
               </a:rPr>
-              <a:t>https://letstalkscience.ca/educational-resources/backgrounders/desert-biome</a:t>
-            </a:r>
-            <a:endParaRPr lang="en-US" dirty="0"/>
-          </a:p>
-          <a:p>
-            <a:r>
-              <a:rPr lang="en-US" dirty="0">
-                <a:hlinkClick r:id="rId4"/>
-              </a:rPr>
-              <a:t>https://sciencestruck.com/desert-biome-animals-plants</a:t>
+              <a:t>https://phys.org/news/2022-10-decades-arctic-affirm-long-term.html</a:t>
             </a:r>
             <a:endParaRPr lang="en-US" dirty="0"/>
           </a:p>
@@ -3737,7 +3740,7 @@
     </p:spTree>
     <p:extLst>
       <p:ext uri="{BB962C8B-B14F-4D97-AF65-F5344CB8AC3E}">
-        <p14:creationId xmlns:p14="http://schemas.microsoft.com/office/powerpoint/2010/main" val="138505596"/>
+        <p14:creationId xmlns:p14="http://schemas.microsoft.com/office/powerpoint/2010/main" val="545953833"/>
       </p:ext>
     </p:extLst>
   </p:cSld>
@@ -3769,7 +3772,7 @@
           <p:cNvPr id="2" name="Title 1">
             <a:extLst>
               <a:ext uri="{FF2B5EF4-FFF2-40B4-BE49-F238E27FC236}">
-                <a16:creationId xmlns:a16="http://schemas.microsoft.com/office/drawing/2014/main" id="{713A5BA7-479A-F52C-C63F-00A6CCCD018E}"/>
+                <a16:creationId xmlns:a16="http://schemas.microsoft.com/office/drawing/2014/main" id="{56A2490A-C419-6763-E6D0-AE1DB8E1ABAA}"/>
               </a:ext>
             </a:extLst>
           </p:cNvPr>
@@ -3787,7 +3790,7 @@
           <a:p>
             <a:r>
               <a:rPr lang="en-US" dirty="0"/>
-              <a:t>Biomes: Savanna</a:t>
+              <a:t>Biome: Desert</a:t>
             </a:r>
           </a:p>
         </p:txBody>
@@ -3797,7 +3800,7 @@
           <p:cNvPr id="3" name="Content Placeholder 2">
             <a:extLst>
               <a:ext uri="{FF2B5EF4-FFF2-40B4-BE49-F238E27FC236}">
-                <a16:creationId xmlns:a16="http://schemas.microsoft.com/office/drawing/2014/main" id="{8F8AF76B-AC3C-6752-32F1-3F61F44B5E6C}"/>
+                <a16:creationId xmlns:a16="http://schemas.microsoft.com/office/drawing/2014/main" id="{918574D5-EF88-B87A-CE00-02C646A04643}"/>
               </a:ext>
             </a:extLst>
           </p:cNvPr>
@@ -3817,8 +3820,29 @@
               <a:rPr lang="en-US" dirty="0">
                 <a:hlinkClick r:id="rId2"/>
               </a:rPr>
-              <a:t>https://www.bioexpedition.com/savanna-biome/</a:t>
-            </a:r>
+              <a:t>https://www.thoughtco.com/overview-of-the-desert-biome-130166</a:t>
+            </a:r>
+            <a:endParaRPr lang="en-US" dirty="0"/>
+          </a:p>
+          <a:p>
+            <a:r>
+              <a:rPr lang="en-US" dirty="0">
+                <a:hlinkClick r:id="rId3"/>
+              </a:rPr>
+              <a:t>https://letstalkscience.ca/educational-resources/backgrounders/desert-biome</a:t>
+            </a:r>
+            <a:endParaRPr lang="en-US" dirty="0"/>
+          </a:p>
+          <a:p>
+            <a:r>
+              <a:rPr lang="en-US" dirty="0">
+                <a:hlinkClick r:id="rId4"/>
+              </a:rPr>
+              <a:t>https://sciencestruck.com/desert-biome-animals-plants</a:t>
+            </a:r>
+            <a:endParaRPr lang="en-US" dirty="0"/>
+          </a:p>
+          <a:p>
             <a:endParaRPr lang="en-US" dirty="0"/>
           </a:p>
           <a:p>
@@ -3829,7 +3853,7 @@
     </p:spTree>
     <p:extLst>
       <p:ext uri="{BB962C8B-B14F-4D97-AF65-F5344CB8AC3E}">
-        <p14:creationId xmlns:p14="http://schemas.microsoft.com/office/powerpoint/2010/main" val="1179164186"/>
+        <p14:creationId xmlns:p14="http://schemas.microsoft.com/office/powerpoint/2010/main" val="138505596"/>
       </p:ext>
     </p:extLst>
   </p:cSld>
@@ -3861,6 +3885,98 @@
           <p:cNvPr id="2" name="Title 1">
             <a:extLst>
               <a:ext uri="{FF2B5EF4-FFF2-40B4-BE49-F238E27FC236}">
+                <a16:creationId xmlns:a16="http://schemas.microsoft.com/office/drawing/2014/main" id="{713A5BA7-479A-F52C-C63F-00A6CCCD018E}"/>
+              </a:ext>
+            </a:extLst>
+          </p:cNvPr>
+          <p:cNvSpPr>
+            <a:spLocks noGrp="1"/>
+          </p:cNvSpPr>
+          <p:nvPr>
+            <p:ph type="title"/>
+          </p:nvPr>
+        </p:nvSpPr>
+        <p:spPr/>
+        <p:txBody>
+          <a:bodyPr/>
+          <a:lstStyle/>
+          <a:p>
+            <a:r>
+              <a:rPr lang="en-US" dirty="0"/>
+              <a:t>Biomes: Savanna</a:t>
+            </a:r>
+          </a:p>
+        </p:txBody>
+      </p:sp>
+      <p:sp>
+        <p:nvSpPr>
+          <p:cNvPr id="3" name="Content Placeholder 2">
+            <a:extLst>
+              <a:ext uri="{FF2B5EF4-FFF2-40B4-BE49-F238E27FC236}">
+                <a16:creationId xmlns:a16="http://schemas.microsoft.com/office/drawing/2014/main" id="{8F8AF76B-AC3C-6752-32F1-3F61F44B5E6C}"/>
+              </a:ext>
+            </a:extLst>
+          </p:cNvPr>
+          <p:cNvSpPr>
+            <a:spLocks noGrp="1"/>
+          </p:cNvSpPr>
+          <p:nvPr>
+            <p:ph idx="1"/>
+          </p:nvPr>
+        </p:nvSpPr>
+        <p:spPr/>
+        <p:txBody>
+          <a:bodyPr/>
+          <a:lstStyle/>
+          <a:p>
+            <a:r>
+              <a:rPr lang="en-US" dirty="0">
+                <a:hlinkClick r:id="rId2"/>
+              </a:rPr>
+              <a:t>https://www.bioexpedition.com/savanna-biome/</a:t>
+            </a:r>
+            <a:endParaRPr lang="en-US" dirty="0"/>
+          </a:p>
+          <a:p>
+            <a:endParaRPr lang="en-US" dirty="0"/>
+          </a:p>
+        </p:txBody>
+      </p:sp>
+    </p:spTree>
+    <p:extLst>
+      <p:ext uri="{BB962C8B-B14F-4D97-AF65-F5344CB8AC3E}">
+        <p14:creationId xmlns:p14="http://schemas.microsoft.com/office/powerpoint/2010/main" val="1179164186"/>
+      </p:ext>
+    </p:extLst>
+  </p:cSld>
+  <p:clrMapOvr>
+    <a:masterClrMapping/>
+  </p:clrMapOvr>
+</p:sld>
+</file>
+
+<file path=ppt/slides/slide15.xml><?xml version="1.0" encoding="utf-8"?>
+<p:sld xmlns:a="http://schemas.openxmlformats.org/drawingml/2006/main" xmlns:r="http://schemas.openxmlformats.org/officeDocument/2006/relationships" xmlns:p="http://schemas.openxmlformats.org/presentationml/2006/main">
+  <p:cSld>
+    <p:spTree>
+      <p:nvGrpSpPr>
+        <p:cNvPr id="1" name=""/>
+        <p:cNvGrpSpPr/>
+        <p:nvPr/>
+      </p:nvGrpSpPr>
+      <p:grpSpPr>
+        <a:xfrm>
+          <a:off x="0" y="0"/>
+          <a:ext cx="0" cy="0"/>
+          <a:chOff x="0" y="0"/>
+          <a:chExt cx="0" cy="0"/>
+        </a:xfrm>
+      </p:grpSpPr>
+      <p:sp>
+        <p:nvSpPr>
+          <p:cNvPr id="2" name="Title 1">
+            <a:extLst>
+              <a:ext uri="{FF2B5EF4-FFF2-40B4-BE49-F238E27FC236}">
                 <a16:creationId xmlns:a16="http://schemas.microsoft.com/office/drawing/2014/main" id="{A743F927-4599-FDD2-D9C7-9ED26415970F}"/>
               </a:ext>
             </a:extLst>
@@ -3940,7 +4056,7 @@
 </p:sld>
 </file>
 
-<file path=ppt/slides/slide15.xml><?xml version="1.0" encoding="utf-8"?>
+<file path=ppt/slides/slide16.xml><?xml version="1.0" encoding="utf-8"?>
 <p:sld xmlns:a="http://schemas.openxmlformats.org/drawingml/2006/main" xmlns:r="http://schemas.openxmlformats.org/officeDocument/2006/relationships" xmlns:p="http://schemas.openxmlformats.org/presentationml/2006/main">
   <p:cSld>
     <p:spTree>
@@ -4527,15 +4643,27 @@
             <a:pPr lvl="1"/>
             <a:r>
               <a:rPr lang="en-US" dirty="0"/>
-              <a:t>Q: Do you want to travel to Egypt?</a:t>
+              <a:t>Q: Do you want to travel to Egypt? Hit? = Desert</a:t>
             </a:r>
           </a:p>
           <a:p>
             <a:pPr lvl="1"/>
             <a:r>
               <a:rPr lang="en-US" dirty="0"/>
-              <a:t>Q: Do you want to travel to Uganda?</a:t>
-            </a:r>
+              <a:t>Q: Do you want to travel to Uganda? Hit? = grassland or savanna</a:t>
+            </a:r>
+          </a:p>
+          <a:p>
+            <a:pPr lvl="1"/>
+            <a:r>
+              <a:rPr lang="en-US" dirty="0"/>
+              <a:t>3</a:t>
+            </a:r>
+            <a:r>
+              <a:rPr lang="en-US"/>
+              <a:t>: Forest, you got lost.</a:t>
+            </a:r>
+            <a:endParaRPr lang="en-US" dirty="0"/>
           </a:p>
         </p:txBody>
       </p:sp>
